--- a/docs/songs/i love you lord - to my king.pptx
+++ b/docs/songs/i love you lord - to my king.pptx
@@ -10,8 +10,10 @@
     <p:sldId id="720" r:id="rId4"/>
     <p:sldId id="721" r:id="rId5"/>
     <p:sldId id="722" r:id="rId6"/>
-    <p:sldId id="724" r:id="rId7"/>
-    <p:sldId id="723" r:id="rId8"/>
+    <p:sldId id="725" r:id="rId7"/>
+    <p:sldId id="724" r:id="rId8"/>
+    <p:sldId id="723" r:id="rId9"/>
+    <p:sldId id="726" r:id="rId10"/>
   </p:sldIdLst>
   <p:sldSz cx="9144000" cy="6858000" type="screen4x3"/>
   <p:notesSz cx="6858000" cy="9144000"/>
@@ -311,7 +313,7 @@
             <a:fld id="{26EA1CF3-4A15-4CBF-9A5A-6A56C368BE71}" type="datetimeFigureOut">
               <a:rPr lang="en-GB" smtClean="0"/>
               <a:pPr/>
-              <a:t>24/10/2022</a:t>
+              <a:t>05/05/2025</a:t>
             </a:fld>
             <a:endParaRPr lang="en-GB"/>
           </a:p>
@@ -478,7 +480,7 @@
             <a:fld id="{26EA1CF3-4A15-4CBF-9A5A-6A56C368BE71}" type="datetimeFigureOut">
               <a:rPr lang="en-GB" smtClean="0"/>
               <a:pPr/>
-              <a:t>24/10/2022</a:t>
+              <a:t>05/05/2025</a:t>
             </a:fld>
             <a:endParaRPr lang="en-GB"/>
           </a:p>
@@ -655,7 +657,7 @@
             <a:fld id="{26EA1CF3-4A15-4CBF-9A5A-6A56C368BE71}" type="datetimeFigureOut">
               <a:rPr lang="en-GB" smtClean="0"/>
               <a:pPr/>
-              <a:t>24/10/2022</a:t>
+              <a:t>05/05/2025</a:t>
             </a:fld>
             <a:endParaRPr lang="en-GB"/>
           </a:p>
@@ -822,7 +824,7 @@
             <a:fld id="{26EA1CF3-4A15-4CBF-9A5A-6A56C368BE71}" type="datetimeFigureOut">
               <a:rPr lang="en-GB" smtClean="0"/>
               <a:pPr/>
-              <a:t>24/10/2022</a:t>
+              <a:t>05/05/2025</a:t>
             </a:fld>
             <a:endParaRPr lang="en-GB"/>
           </a:p>
@@ -1065,7 +1067,7 @@
             <a:fld id="{26EA1CF3-4A15-4CBF-9A5A-6A56C368BE71}" type="datetimeFigureOut">
               <a:rPr lang="en-GB" smtClean="0"/>
               <a:pPr/>
-              <a:t>24/10/2022</a:t>
+              <a:t>05/05/2025</a:t>
             </a:fld>
             <a:endParaRPr lang="en-GB"/>
           </a:p>
@@ -1350,7 +1352,7 @@
             <a:fld id="{26EA1CF3-4A15-4CBF-9A5A-6A56C368BE71}" type="datetimeFigureOut">
               <a:rPr lang="en-GB" smtClean="0"/>
               <a:pPr/>
-              <a:t>24/10/2022</a:t>
+              <a:t>05/05/2025</a:t>
             </a:fld>
             <a:endParaRPr lang="en-GB"/>
           </a:p>
@@ -1769,7 +1771,7 @@
             <a:fld id="{26EA1CF3-4A15-4CBF-9A5A-6A56C368BE71}" type="datetimeFigureOut">
               <a:rPr lang="en-GB" smtClean="0"/>
               <a:pPr/>
-              <a:t>24/10/2022</a:t>
+              <a:t>05/05/2025</a:t>
             </a:fld>
             <a:endParaRPr lang="en-GB"/>
           </a:p>
@@ -1884,7 +1886,7 @@
             <a:fld id="{26EA1CF3-4A15-4CBF-9A5A-6A56C368BE71}" type="datetimeFigureOut">
               <a:rPr lang="en-GB" smtClean="0"/>
               <a:pPr/>
-              <a:t>24/10/2022</a:t>
+              <a:t>05/05/2025</a:t>
             </a:fld>
             <a:endParaRPr lang="en-GB"/>
           </a:p>
@@ -1976,7 +1978,7 @@
             <a:fld id="{26EA1CF3-4A15-4CBF-9A5A-6A56C368BE71}" type="datetimeFigureOut">
               <a:rPr lang="en-GB" smtClean="0"/>
               <a:pPr/>
-              <a:t>24/10/2022</a:t>
+              <a:t>05/05/2025</a:t>
             </a:fld>
             <a:endParaRPr lang="en-GB"/>
           </a:p>
@@ -2250,7 +2252,7 @@
             <a:fld id="{26EA1CF3-4A15-4CBF-9A5A-6A56C368BE71}" type="datetimeFigureOut">
               <a:rPr lang="en-GB" smtClean="0"/>
               <a:pPr/>
-              <a:t>24/10/2022</a:t>
+              <a:t>05/05/2025</a:t>
             </a:fld>
             <a:endParaRPr lang="en-GB"/>
           </a:p>
@@ -2500,7 +2502,7 @@
             <a:fld id="{26EA1CF3-4A15-4CBF-9A5A-6A56C368BE71}" type="datetimeFigureOut">
               <a:rPr lang="en-GB" smtClean="0"/>
               <a:pPr/>
-              <a:t>24/10/2022</a:t>
+              <a:t>05/05/2025</a:t>
             </a:fld>
             <a:endParaRPr lang="en-GB"/>
           </a:p>
@@ -2713,7 +2715,7 @@
             <a:fld id="{26EA1CF3-4A15-4CBF-9A5A-6A56C368BE71}" type="datetimeFigureOut">
               <a:rPr lang="en-GB" smtClean="0"/>
               <a:pPr/>
-              <a:t>24/10/2022</a:t>
+              <a:t>05/05/2025</a:t>
             </a:fld>
             <a:endParaRPr lang="en-GB"/>
           </a:p>
@@ -3228,7 +3230,7 @@
         </p:nvSpPr>
         <p:spPr>
           <a:xfrm>
-            <a:off x="323528" y="188640"/>
+            <a:off x="251520" y="764704"/>
             <a:ext cx="8640960" cy="6480720"/>
           </a:xfrm>
         </p:spPr>
@@ -3239,7 +3241,7 @@
           <a:lstStyle/>
           <a:p>
             <a:r>
-              <a:rPr lang="en-GB" sz="4400" dirty="0">
+              <a:rPr lang="en-GB" sz="3600" dirty="0">
                 <a:solidFill>
                   <a:schemeClr val="bg1"/>
                 </a:solidFill>
@@ -3249,7 +3251,7 @@
           </a:p>
           <a:p>
             <a:r>
-              <a:rPr lang="en-GB" sz="4400" dirty="0">
+              <a:rPr lang="en-GB" sz="3600" dirty="0">
                 <a:solidFill>
                   <a:schemeClr val="bg1"/>
                 </a:solidFill>
@@ -3259,7 +3261,7 @@
           </a:p>
           <a:p>
             <a:r>
-              <a:rPr lang="en-GB" sz="4400" dirty="0">
+              <a:rPr lang="en-GB" sz="3600" dirty="0">
                 <a:solidFill>
                   <a:schemeClr val="bg1"/>
                 </a:solidFill>
@@ -3269,7 +3271,7 @@
           </a:p>
           <a:p>
             <a:r>
-              <a:rPr lang="en-GB" sz="4400" dirty="0">
+              <a:rPr lang="en-GB" sz="3600" dirty="0">
                 <a:solidFill>
                   <a:schemeClr val="bg1"/>
                 </a:solidFill>
@@ -3279,7 +3281,7 @@
           </a:p>
           <a:p>
             <a:r>
-              <a:rPr lang="en-GB" sz="4400" dirty="0">
+              <a:rPr lang="en-GB" sz="3600" dirty="0">
                 <a:solidFill>
                   <a:schemeClr val="bg1"/>
                 </a:solidFill>
@@ -3289,7 +3291,7 @@
           </a:p>
           <a:p>
             <a:r>
-              <a:rPr lang="en-GB" sz="4400" dirty="0">
+              <a:rPr lang="en-GB" sz="3600" dirty="0">
                 <a:solidFill>
                   <a:schemeClr val="bg1"/>
                 </a:solidFill>
@@ -3299,7 +3301,7 @@
           </a:p>
           <a:p>
             <a:r>
-              <a:rPr lang="en-GB" sz="4400" dirty="0">
+              <a:rPr lang="en-GB" sz="3600" dirty="0">
                 <a:solidFill>
                   <a:schemeClr val="bg1"/>
                 </a:solidFill>
@@ -3337,7 +3339,7 @@
                   <a:schemeClr val="bg1"/>
                 </a:solidFill>
               </a:rPr>
-              <a:t>1/6</a:t>
+              <a:t>1/8</a:t>
             </a:r>
           </a:p>
         </p:txBody>
@@ -3384,7 +3386,7 @@
         </p:nvSpPr>
         <p:spPr>
           <a:xfrm>
-            <a:off x="323528" y="188640"/>
+            <a:off x="203118" y="764704"/>
             <a:ext cx="8640960" cy="6480720"/>
           </a:xfrm>
         </p:spPr>
@@ -3395,7 +3397,7 @@
           <a:lstStyle/>
           <a:p>
             <a:r>
-              <a:rPr lang="en-GB" sz="4400" dirty="0">
+              <a:rPr lang="en-GB" sz="3600" dirty="0">
                 <a:solidFill>
                   <a:schemeClr val="bg1"/>
                 </a:solidFill>
@@ -3405,7 +3407,7 @@
           </a:p>
           <a:p>
             <a:r>
-              <a:rPr lang="en-GB" sz="4400" dirty="0">
+              <a:rPr lang="en-GB" sz="3600" dirty="0">
                 <a:solidFill>
                   <a:schemeClr val="bg1"/>
                 </a:solidFill>
@@ -3415,7 +3417,7 @@
           </a:p>
           <a:p>
             <a:r>
-              <a:rPr lang="en-GB" sz="4400" dirty="0">
+              <a:rPr lang="en-GB" sz="3600" dirty="0">
                 <a:solidFill>
                   <a:schemeClr val="bg1"/>
                 </a:solidFill>
@@ -3425,7 +3427,7 @@
           </a:p>
           <a:p>
             <a:r>
-              <a:rPr lang="en-GB" sz="4400" dirty="0">
+              <a:rPr lang="en-GB" sz="3600" dirty="0">
                 <a:solidFill>
                   <a:schemeClr val="bg1"/>
                 </a:solidFill>
@@ -3463,7 +3465,7 @@
                   <a:schemeClr val="bg1"/>
                 </a:solidFill>
               </a:rPr>
-              <a:t>2/6</a:t>
+              <a:t>2/8</a:t>
             </a:r>
           </a:p>
         </p:txBody>
@@ -3510,7 +3512,7 @@
         </p:nvSpPr>
         <p:spPr>
           <a:xfrm>
-            <a:off x="323528" y="188640"/>
+            <a:off x="251520" y="836712"/>
             <a:ext cx="8640960" cy="6480720"/>
           </a:xfrm>
         </p:spPr>
@@ -3521,7 +3523,7 @@
           <a:lstStyle/>
           <a:p>
             <a:r>
-              <a:rPr lang="en-GB" sz="4400" dirty="0">
+              <a:rPr lang="en-GB" sz="3600" dirty="0">
                 <a:solidFill>
                   <a:schemeClr val="bg1"/>
                 </a:solidFill>
@@ -3531,7 +3533,7 @@
           </a:p>
           <a:p>
             <a:r>
-              <a:rPr lang="en-GB" sz="4400" dirty="0">
+              <a:rPr lang="en-GB" sz="3600" dirty="0">
                 <a:solidFill>
                   <a:schemeClr val="bg1"/>
                 </a:solidFill>
@@ -3539,7 +3541,7 @@
               <a:t>And I want to sing a sweet </a:t>
             </a:r>
             <a:r>
-              <a:rPr lang="en-GB" sz="4400" dirty="0" err="1">
+              <a:rPr lang="en-GB" sz="3600" dirty="0" err="1">
                 <a:solidFill>
                   <a:schemeClr val="bg1"/>
                 </a:solidFill>
@@ -3547,7 +3549,7 @@
               <a:t>sweet</a:t>
             </a:r>
             <a:r>
-              <a:rPr lang="en-GB" sz="4400" dirty="0">
+              <a:rPr lang="en-GB" sz="3600" dirty="0">
                 <a:solidFill>
                   <a:schemeClr val="bg1"/>
                 </a:solidFill>
@@ -3557,7 +3559,7 @@
           </a:p>
           <a:p>
             <a:r>
-              <a:rPr lang="en-GB" sz="4400" dirty="0">
+              <a:rPr lang="en-GB" sz="3600" dirty="0">
                 <a:solidFill>
                   <a:schemeClr val="bg1"/>
                 </a:solidFill>
@@ -3567,7 +3569,7 @@
           </a:p>
           <a:p>
             <a:r>
-              <a:rPr lang="en-GB" sz="4400" dirty="0">
+              <a:rPr lang="en-GB" sz="3600" dirty="0">
                 <a:solidFill>
                   <a:schemeClr val="bg1"/>
                 </a:solidFill>
@@ -3575,7 +3577,7 @@
               <a:t>Let it be a sweet </a:t>
             </a:r>
             <a:r>
-              <a:rPr lang="en-GB" sz="4400" dirty="0" err="1">
+              <a:rPr lang="en-GB" sz="3600" dirty="0" err="1">
                 <a:solidFill>
                   <a:schemeClr val="bg1"/>
                 </a:solidFill>
@@ -3583,7 +3585,7 @@
               <a:t>sweet</a:t>
             </a:r>
             <a:r>
-              <a:rPr lang="en-GB" sz="4400" dirty="0">
+              <a:rPr lang="en-GB" sz="3600" dirty="0">
                 <a:solidFill>
                   <a:schemeClr val="bg1"/>
                 </a:solidFill>
@@ -3593,7 +3595,7 @@
           </a:p>
           <a:p>
             <a:r>
-              <a:rPr lang="en-GB" sz="4400" dirty="0">
+              <a:rPr lang="en-GB" sz="3600" dirty="0">
                 <a:solidFill>
                   <a:schemeClr val="bg1"/>
                 </a:solidFill>
@@ -3631,7 +3633,7 @@
                   <a:schemeClr val="bg1"/>
                 </a:solidFill>
               </a:rPr>
-              <a:t>3/6</a:t>
+              <a:t>3/8</a:t>
             </a:r>
           </a:p>
         </p:txBody>
@@ -3678,7 +3680,7 @@
         </p:nvSpPr>
         <p:spPr>
           <a:xfrm>
-            <a:off x="323528" y="188640"/>
+            <a:off x="323528" y="620688"/>
             <a:ext cx="8640960" cy="6480720"/>
           </a:xfrm>
         </p:spPr>
@@ -3689,7 +3691,7 @@
           <a:lstStyle/>
           <a:p>
             <a:r>
-              <a:rPr lang="en-GB" sz="4400" dirty="0">
+              <a:rPr lang="en-GB" sz="3600" dirty="0">
                 <a:solidFill>
                   <a:schemeClr val="bg1"/>
                 </a:solidFill>
@@ -3699,7 +3701,7 @@
           </a:p>
           <a:p>
             <a:r>
-              <a:rPr lang="en-GB" sz="4400" dirty="0">
+              <a:rPr lang="en-GB" sz="3600" dirty="0">
                 <a:solidFill>
                   <a:schemeClr val="bg1"/>
                 </a:solidFill>
@@ -3709,7 +3711,7 @@
           </a:p>
           <a:p>
             <a:r>
-              <a:rPr lang="en-GB" sz="4400" dirty="0">
+              <a:rPr lang="en-GB" sz="3600" dirty="0">
                 <a:solidFill>
                   <a:schemeClr val="bg1"/>
                 </a:solidFill>
@@ -3719,7 +3721,7 @@
           </a:p>
           <a:p>
             <a:r>
-              <a:rPr lang="en-GB" sz="4400" dirty="0">
+              <a:rPr lang="en-GB" sz="3600" dirty="0">
                 <a:solidFill>
                   <a:schemeClr val="bg1"/>
                 </a:solidFill>
@@ -3757,7 +3759,7 @@
                   <a:schemeClr val="bg1"/>
                 </a:solidFill>
               </a:rPr>
-              <a:t>4/6</a:t>
+              <a:t>4/8</a:t>
             </a:r>
           </a:p>
         </p:txBody>
@@ -3780,7 +3782,13 @@
   <p:cSld>
     <p:spTree>
       <p:nvGrpSpPr>
-        <p:cNvPr id="1" name=""/>
+        <p:cNvPr id="1" name="">
+          <a:extLst>
+            <a:ext uri="{FF2B5EF4-FFF2-40B4-BE49-F238E27FC236}">
+              <a16:creationId xmlns:a16="http://schemas.microsoft.com/office/drawing/2014/main" id="{C1F7016F-998B-60CF-A684-CA26994E5FAA}"/>
+            </a:ext>
+          </a:extLst>
+        </p:cNvPr>
         <p:cNvGrpSpPr/>
         <p:nvPr/>
       </p:nvGrpSpPr>
@@ -3794,7 +3802,13 @@
       </p:grpSpPr>
       <p:sp>
         <p:nvSpPr>
-          <p:cNvPr id="3" name="Subtitle 2"/>
+          <p:cNvPr id="3" name="Subtitle 2">
+            <a:extLst>
+              <a:ext uri="{FF2B5EF4-FFF2-40B4-BE49-F238E27FC236}">
+                <a16:creationId xmlns:a16="http://schemas.microsoft.com/office/drawing/2014/main" id="{A95D6C62-E2D6-1820-777C-19FC7B5A8BE2}"/>
+              </a:ext>
+            </a:extLst>
+          </p:cNvPr>
           <p:cNvSpPr>
             <a:spLocks noGrp="1"/>
           </p:cNvSpPr>
@@ -3804,7 +3818,7 @@
         </p:nvSpPr>
         <p:spPr>
           <a:xfrm>
-            <a:off x="323528" y="188640"/>
+            <a:off x="251520" y="620688"/>
             <a:ext cx="8640960" cy="6480720"/>
           </a:xfrm>
         </p:spPr>
@@ -3815,79 +3829,97 @@
           <a:lstStyle/>
           <a:p>
             <a:r>
-              <a:rPr lang="en-GB" sz="4400" dirty="0">
-                <a:solidFill>
-                  <a:schemeClr val="bg1"/>
-                </a:solidFill>
-              </a:rPr>
-              <a:t>In my coming and my going</a:t>
-            </a:r>
-          </a:p>
-          <a:p>
-            <a:r>
-              <a:rPr lang="en-GB" sz="4400" dirty="0">
-                <a:solidFill>
-                  <a:schemeClr val="bg1"/>
-                </a:solidFill>
-              </a:rPr>
-              <a:t>I will praise You</a:t>
-            </a:r>
-          </a:p>
-          <a:p>
-            <a:r>
-              <a:rPr lang="en-GB" sz="4400" dirty="0">
-                <a:solidFill>
-                  <a:schemeClr val="bg1"/>
-                </a:solidFill>
-              </a:rPr>
-              <a:t>From the evening through the morning</a:t>
-            </a:r>
-          </a:p>
-          <a:p>
-            <a:r>
-              <a:rPr lang="en-GB" sz="4400" dirty="0">
-                <a:solidFill>
-                  <a:schemeClr val="bg1"/>
-                </a:solidFill>
-              </a:rPr>
-              <a:t>I will praise You</a:t>
-            </a:r>
-          </a:p>
-          <a:p>
-            <a:r>
-              <a:rPr lang="en-GB" sz="4400" dirty="0">
-                <a:solidFill>
-                  <a:schemeClr val="bg1"/>
-                </a:solidFill>
-              </a:rPr>
-              <a:t>When I rise and when I fall</a:t>
-            </a:r>
-          </a:p>
-          <a:p>
-            <a:r>
-              <a:rPr lang="en-GB" sz="4400" dirty="0">
-                <a:solidFill>
-                  <a:schemeClr val="bg1"/>
-                </a:solidFill>
-              </a:rPr>
-              <a:t>I will praise You through it all</a:t>
-            </a:r>
-          </a:p>
-          <a:p>
-            <a:r>
-              <a:rPr lang="en-GB" sz="4400" dirty="0">
-                <a:solidFill>
-                  <a:schemeClr val="bg1"/>
-                </a:solidFill>
-              </a:rPr>
-              <a:t>I will sing a love song to my King</a:t>
-            </a:r>
-          </a:p>
-        </p:txBody>
-      </p:sp>
-      <p:sp>
-        <p:nvSpPr>
-          <p:cNvPr id="4" name="TextBox 3"/>
+              <a:rPr lang="en-GB" sz="3600" dirty="0">
+                <a:solidFill>
+                  <a:schemeClr val="bg1"/>
+                </a:solidFill>
+              </a:rPr>
+              <a:t>I love You Lord, I love You</a:t>
+            </a:r>
+          </a:p>
+          <a:p>
+            <a:r>
+              <a:rPr lang="en-GB" sz="3600" dirty="0">
+                <a:solidFill>
+                  <a:schemeClr val="bg1"/>
+                </a:solidFill>
+              </a:rPr>
+              <a:t>And I want to sing a sweet </a:t>
+            </a:r>
+            <a:r>
+              <a:rPr lang="en-GB" sz="3600" dirty="0" err="1">
+                <a:solidFill>
+                  <a:schemeClr val="bg1"/>
+                </a:solidFill>
+              </a:rPr>
+              <a:t>sweet</a:t>
+            </a:r>
+            <a:r>
+              <a:rPr lang="en-GB" sz="3600" dirty="0">
+                <a:solidFill>
+                  <a:schemeClr val="bg1"/>
+                </a:solidFill>
+              </a:rPr>
+              <a:t> melody</a:t>
+            </a:r>
+          </a:p>
+          <a:p>
+            <a:r>
+              <a:rPr lang="en-GB" sz="3600" dirty="0">
+                <a:solidFill>
+                  <a:schemeClr val="bg1"/>
+                </a:solidFill>
+              </a:rPr>
+              <a:t>To tell You, that I love You</a:t>
+            </a:r>
+          </a:p>
+          <a:p>
+            <a:r>
+              <a:rPr lang="en-GB" sz="3600" dirty="0">
+                <a:solidFill>
+                  <a:schemeClr val="bg1"/>
+                </a:solidFill>
+              </a:rPr>
+              <a:t>Let it be a sweet </a:t>
+            </a:r>
+            <a:r>
+              <a:rPr lang="en-GB" sz="3600" dirty="0" err="1">
+                <a:solidFill>
+                  <a:schemeClr val="bg1"/>
+                </a:solidFill>
+              </a:rPr>
+              <a:t>sweet</a:t>
+            </a:r>
+            <a:r>
+              <a:rPr lang="en-GB" sz="3600" dirty="0">
+                <a:solidFill>
+                  <a:schemeClr val="bg1"/>
+                </a:solidFill>
+              </a:rPr>
+              <a:t> melody</a:t>
+            </a:r>
+          </a:p>
+          <a:p>
+            <a:r>
+              <a:rPr lang="en-GB" sz="3600" dirty="0">
+                <a:solidFill>
+                  <a:schemeClr val="bg1"/>
+                </a:solidFill>
+              </a:rPr>
+              <a:t>To my King</a:t>
+            </a:r>
+          </a:p>
+        </p:txBody>
+      </p:sp>
+      <p:sp>
+        <p:nvSpPr>
+          <p:cNvPr id="4" name="TextBox 3">
+            <a:extLst>
+              <a:ext uri="{FF2B5EF4-FFF2-40B4-BE49-F238E27FC236}">
+                <a16:creationId xmlns:a16="http://schemas.microsoft.com/office/drawing/2014/main" id="{D4FF1379-0ED0-F6C2-1CF1-60CC0B382AC0}"/>
+              </a:ext>
+            </a:extLst>
+          </p:cNvPr>
           <p:cNvSpPr txBox="1"/>
           <p:nvPr/>
         </p:nvSpPr>
@@ -3913,7 +3945,7 @@
                   <a:schemeClr val="bg1"/>
                 </a:solidFill>
               </a:rPr>
-              <a:t>5/6</a:t>
+              <a:t>5/8</a:t>
             </a:r>
           </a:p>
         </p:txBody>
@@ -3921,7 +3953,7 @@
     </p:spTree>
     <p:extLst>
       <p:ext uri="{BB962C8B-B14F-4D97-AF65-F5344CB8AC3E}">
-        <p14:creationId xmlns:p14="http://schemas.microsoft.com/office/powerpoint/2010/main" val="79117966"/>
+        <p14:creationId xmlns:p14="http://schemas.microsoft.com/office/powerpoint/2010/main" val="1710135200"/>
       </p:ext>
     </p:extLst>
   </p:cSld>
@@ -3960,7 +3992,7 @@
         </p:nvSpPr>
         <p:spPr>
           <a:xfrm>
-            <a:off x="323528" y="188640"/>
+            <a:off x="323528" y="692696"/>
             <a:ext cx="8640960" cy="6480720"/>
           </a:xfrm>
         </p:spPr>
@@ -3971,17 +4003,17 @@
           <a:lstStyle/>
           <a:p>
             <a:r>
-              <a:rPr lang="en-GB" sz="4400" dirty="0">
-                <a:solidFill>
-                  <a:schemeClr val="bg1"/>
-                </a:solidFill>
-              </a:rPr>
-              <a:t>When I'm lonely and I'm doubting</a:t>
-            </a:r>
-          </a:p>
-          <a:p>
-            <a:r>
-              <a:rPr lang="en-GB" sz="4400" dirty="0">
+              <a:rPr lang="en-GB" sz="3600" dirty="0">
+                <a:solidFill>
+                  <a:schemeClr val="bg1"/>
+                </a:solidFill>
+              </a:rPr>
+              <a:t>In my coming and my going</a:t>
+            </a:r>
+          </a:p>
+          <a:p>
+            <a:r>
+              <a:rPr lang="en-GB" sz="3600" dirty="0">
                 <a:solidFill>
                   <a:schemeClr val="bg1"/>
                 </a:solidFill>
@@ -3991,17 +4023,17 @@
           </a:p>
           <a:p>
             <a:r>
-              <a:rPr lang="en-GB" sz="4400" dirty="0">
-                <a:solidFill>
-                  <a:schemeClr val="bg1"/>
-                </a:solidFill>
-              </a:rPr>
-              <a:t>On the mountain when I'm shouting</a:t>
-            </a:r>
-          </a:p>
-          <a:p>
-            <a:r>
-              <a:rPr lang="en-GB" sz="4400" dirty="0">
+              <a:rPr lang="en-GB" sz="3600" dirty="0">
+                <a:solidFill>
+                  <a:schemeClr val="bg1"/>
+                </a:solidFill>
+              </a:rPr>
+              <a:t>From the evening through the morning</a:t>
+            </a:r>
+          </a:p>
+          <a:p>
+            <a:r>
+              <a:rPr lang="en-GB" sz="3600" dirty="0">
                 <a:solidFill>
                   <a:schemeClr val="bg1"/>
                 </a:solidFill>
@@ -4011,7 +4043,7 @@
           </a:p>
           <a:p>
             <a:r>
-              <a:rPr lang="en-GB" sz="4400" dirty="0">
+              <a:rPr lang="en-GB" sz="3600" dirty="0">
                 <a:solidFill>
                   <a:schemeClr val="bg1"/>
                 </a:solidFill>
@@ -4021,7 +4053,7 @@
           </a:p>
           <a:p>
             <a:r>
-              <a:rPr lang="en-GB" sz="4400" dirty="0">
+              <a:rPr lang="en-GB" sz="3600" dirty="0">
                 <a:solidFill>
                   <a:schemeClr val="bg1"/>
                 </a:solidFill>
@@ -4031,7 +4063,7 @@
           </a:p>
           <a:p>
             <a:r>
-              <a:rPr lang="en-GB" sz="4400" dirty="0">
+              <a:rPr lang="en-GB" sz="3600" dirty="0">
                 <a:solidFill>
                   <a:schemeClr val="bg1"/>
                 </a:solidFill>
@@ -4069,7 +4101,163 @@
                   <a:schemeClr val="bg1"/>
                 </a:solidFill>
               </a:rPr>
-              <a:t>6/6</a:t>
+              <a:t>6/8</a:t>
+            </a:r>
+          </a:p>
+        </p:txBody>
+      </p:sp>
+    </p:spTree>
+    <p:extLst>
+      <p:ext uri="{BB962C8B-B14F-4D97-AF65-F5344CB8AC3E}">
+        <p14:creationId xmlns:p14="http://schemas.microsoft.com/office/powerpoint/2010/main" val="79117966"/>
+      </p:ext>
+    </p:extLst>
+  </p:cSld>
+  <p:clrMapOvr>
+    <a:masterClrMapping/>
+  </p:clrMapOvr>
+</p:sld>
+</file>
+
+<file path=ppt/slides/slide8.xml><?xml version="1.0" encoding="utf-8"?>
+<p:sld xmlns:a="http://schemas.openxmlformats.org/drawingml/2006/main" xmlns:r="http://schemas.openxmlformats.org/officeDocument/2006/relationships" xmlns:p="http://schemas.openxmlformats.org/presentationml/2006/main">
+  <p:cSld>
+    <p:spTree>
+      <p:nvGrpSpPr>
+        <p:cNvPr id="1" name=""/>
+        <p:cNvGrpSpPr/>
+        <p:nvPr/>
+      </p:nvGrpSpPr>
+      <p:grpSpPr>
+        <a:xfrm>
+          <a:off x="0" y="0"/>
+          <a:ext cx="0" cy="0"/>
+          <a:chOff x="0" y="0"/>
+          <a:chExt cx="0" cy="0"/>
+        </a:xfrm>
+      </p:grpSpPr>
+      <p:sp>
+        <p:nvSpPr>
+          <p:cNvPr id="3" name="Subtitle 2"/>
+          <p:cNvSpPr>
+            <a:spLocks noGrp="1"/>
+          </p:cNvSpPr>
+          <p:nvPr>
+            <p:ph type="subTitle" idx="1"/>
+          </p:nvPr>
+        </p:nvSpPr>
+        <p:spPr>
+          <a:xfrm>
+            <a:off x="395536" y="764704"/>
+            <a:ext cx="8640960" cy="6480720"/>
+          </a:xfrm>
+        </p:spPr>
+        <p:txBody>
+          <a:bodyPr>
+            <a:noAutofit/>
+          </a:bodyPr>
+          <a:lstStyle/>
+          <a:p>
+            <a:r>
+              <a:rPr lang="en-GB" sz="3600" dirty="0">
+                <a:solidFill>
+                  <a:schemeClr val="bg1"/>
+                </a:solidFill>
+              </a:rPr>
+              <a:t>When I'm lonely and I'm doubting</a:t>
+            </a:r>
+          </a:p>
+          <a:p>
+            <a:r>
+              <a:rPr lang="en-GB" sz="3600" dirty="0">
+                <a:solidFill>
+                  <a:schemeClr val="bg1"/>
+                </a:solidFill>
+              </a:rPr>
+              <a:t>I will praise You</a:t>
+            </a:r>
+          </a:p>
+          <a:p>
+            <a:r>
+              <a:rPr lang="en-GB" sz="3600" dirty="0">
+                <a:solidFill>
+                  <a:schemeClr val="bg1"/>
+                </a:solidFill>
+              </a:rPr>
+              <a:t>On the mountain when I'm shouting</a:t>
+            </a:r>
+          </a:p>
+          <a:p>
+            <a:r>
+              <a:rPr lang="en-GB" sz="3600" dirty="0">
+                <a:solidFill>
+                  <a:schemeClr val="bg1"/>
+                </a:solidFill>
+              </a:rPr>
+              <a:t>I will praise You</a:t>
+            </a:r>
+          </a:p>
+          <a:p>
+            <a:r>
+              <a:rPr lang="en-GB" sz="3600" dirty="0">
+                <a:solidFill>
+                  <a:schemeClr val="bg1"/>
+                </a:solidFill>
+              </a:rPr>
+              <a:t>When I rise and when I fall</a:t>
+            </a:r>
+          </a:p>
+          <a:p>
+            <a:r>
+              <a:rPr lang="en-GB" sz="3600" dirty="0">
+                <a:solidFill>
+                  <a:schemeClr val="bg1"/>
+                </a:solidFill>
+              </a:rPr>
+              <a:t>I will praise You through it all</a:t>
+            </a:r>
+          </a:p>
+          <a:p>
+            <a:r>
+              <a:rPr lang="en-GB" sz="3600" dirty="0">
+                <a:solidFill>
+                  <a:schemeClr val="bg1"/>
+                </a:solidFill>
+              </a:rPr>
+              <a:t>I will sing a love song to my King</a:t>
+            </a:r>
+          </a:p>
+        </p:txBody>
+      </p:sp>
+      <p:sp>
+        <p:nvSpPr>
+          <p:cNvPr id="4" name="TextBox 3"/>
+          <p:cNvSpPr txBox="1"/>
+          <p:nvPr/>
+        </p:nvSpPr>
+        <p:spPr>
+          <a:xfrm>
+            <a:off x="8529729" y="0"/>
+            <a:ext cx="628698" cy="461665"/>
+          </a:xfrm>
+          <a:prstGeom prst="rect">
+            <a:avLst/>
+          </a:prstGeom>
+          <a:noFill/>
+        </p:spPr>
+        <p:txBody>
+          <a:bodyPr wrap="none" rtlCol="0">
+            <a:spAutoFit/>
+          </a:bodyPr>
+          <a:lstStyle/>
+          <a:p>
+            <a:r>
+              <a:rPr lang="en-GB" sz="2400" b="1" dirty="0">
+                <a:solidFill>
+                  <a:schemeClr val="bg1"/>
+                </a:solidFill>
+              </a:rPr>
+              <a:t>7/8</a:t>
             </a:r>
           </a:p>
         </p:txBody>
@@ -4078,6 +4266,192 @@
     <p:extLst>
       <p:ext uri="{BB962C8B-B14F-4D97-AF65-F5344CB8AC3E}">
         <p14:creationId xmlns:p14="http://schemas.microsoft.com/office/powerpoint/2010/main" val="3964888748"/>
+      </p:ext>
+    </p:extLst>
+  </p:cSld>
+  <p:clrMapOvr>
+    <a:masterClrMapping/>
+  </p:clrMapOvr>
+</p:sld>
+</file>
+
+<file path=ppt/slides/slide9.xml><?xml version="1.0" encoding="utf-8"?>
+<p:sld xmlns:a="http://schemas.openxmlformats.org/drawingml/2006/main" xmlns:r="http://schemas.openxmlformats.org/officeDocument/2006/relationships" xmlns:p="http://schemas.openxmlformats.org/presentationml/2006/main">
+  <p:cSld>
+    <p:spTree>
+      <p:nvGrpSpPr>
+        <p:cNvPr id="1" name="">
+          <a:extLst>
+            <a:ext uri="{FF2B5EF4-FFF2-40B4-BE49-F238E27FC236}">
+              <a16:creationId xmlns:a16="http://schemas.microsoft.com/office/drawing/2014/main" id="{5FEEA7C1-3848-398B-3965-782F0CD37AAD}"/>
+            </a:ext>
+          </a:extLst>
+        </p:cNvPr>
+        <p:cNvGrpSpPr/>
+        <p:nvPr/>
+      </p:nvGrpSpPr>
+      <p:grpSpPr>
+        <a:xfrm>
+          <a:off x="0" y="0"/>
+          <a:ext cx="0" cy="0"/>
+          <a:chOff x="0" y="0"/>
+          <a:chExt cx="0" cy="0"/>
+        </a:xfrm>
+      </p:grpSpPr>
+      <p:sp>
+        <p:nvSpPr>
+          <p:cNvPr id="3" name="Subtitle 2">
+            <a:extLst>
+              <a:ext uri="{FF2B5EF4-FFF2-40B4-BE49-F238E27FC236}">
+                <a16:creationId xmlns:a16="http://schemas.microsoft.com/office/drawing/2014/main" id="{A3797E27-2F82-EBE3-9228-613E6DB1A5AD}"/>
+              </a:ext>
+            </a:extLst>
+          </p:cNvPr>
+          <p:cNvSpPr>
+            <a:spLocks noGrp="1"/>
+          </p:cNvSpPr>
+          <p:nvPr>
+            <p:ph type="subTitle" idx="1"/>
+          </p:nvPr>
+        </p:nvSpPr>
+        <p:spPr>
+          <a:xfrm>
+            <a:off x="395536" y="836712"/>
+            <a:ext cx="8640960" cy="6480720"/>
+          </a:xfrm>
+        </p:spPr>
+        <p:txBody>
+          <a:bodyPr>
+            <a:noAutofit/>
+          </a:bodyPr>
+          <a:lstStyle/>
+          <a:p>
+            <a:r>
+              <a:rPr lang="en-GB" sz="3600" dirty="0">
+                <a:solidFill>
+                  <a:schemeClr val="bg1"/>
+                </a:solidFill>
+              </a:rPr>
+              <a:t>I love You Lord, I love You</a:t>
+            </a:r>
+          </a:p>
+          <a:p>
+            <a:r>
+              <a:rPr lang="en-GB" sz="3600" dirty="0">
+                <a:solidFill>
+                  <a:schemeClr val="bg1"/>
+                </a:solidFill>
+              </a:rPr>
+              <a:t>And I want to sing a sweet </a:t>
+            </a:r>
+            <a:r>
+              <a:rPr lang="en-GB" sz="3600" dirty="0" err="1">
+                <a:solidFill>
+                  <a:schemeClr val="bg1"/>
+                </a:solidFill>
+              </a:rPr>
+              <a:t>sweet</a:t>
+            </a:r>
+            <a:r>
+              <a:rPr lang="en-GB" sz="3600" dirty="0">
+                <a:solidFill>
+                  <a:schemeClr val="bg1"/>
+                </a:solidFill>
+              </a:rPr>
+              <a:t> melody</a:t>
+            </a:r>
+          </a:p>
+          <a:p>
+            <a:r>
+              <a:rPr lang="en-GB" sz="3600" dirty="0">
+                <a:solidFill>
+                  <a:schemeClr val="bg1"/>
+                </a:solidFill>
+              </a:rPr>
+              <a:t>To tell You, that I love You</a:t>
+            </a:r>
+          </a:p>
+          <a:p>
+            <a:r>
+              <a:rPr lang="en-GB" sz="3600" dirty="0">
+                <a:solidFill>
+                  <a:schemeClr val="bg1"/>
+                </a:solidFill>
+              </a:rPr>
+              <a:t>Let it be a sweet </a:t>
+            </a:r>
+            <a:r>
+              <a:rPr lang="en-GB" sz="3600" dirty="0" err="1">
+                <a:solidFill>
+                  <a:schemeClr val="bg1"/>
+                </a:solidFill>
+              </a:rPr>
+              <a:t>sweet</a:t>
+            </a:r>
+            <a:r>
+              <a:rPr lang="en-GB" sz="3600" dirty="0">
+                <a:solidFill>
+                  <a:schemeClr val="bg1"/>
+                </a:solidFill>
+              </a:rPr>
+              <a:t> melody</a:t>
+            </a:r>
+          </a:p>
+          <a:p>
+            <a:r>
+              <a:rPr lang="en-GB" sz="3600" dirty="0">
+                <a:solidFill>
+                  <a:schemeClr val="bg1"/>
+                </a:solidFill>
+              </a:rPr>
+              <a:t>To my King</a:t>
+            </a:r>
+          </a:p>
+        </p:txBody>
+      </p:sp>
+      <p:sp>
+        <p:nvSpPr>
+          <p:cNvPr id="4" name="TextBox 3">
+            <a:extLst>
+              <a:ext uri="{FF2B5EF4-FFF2-40B4-BE49-F238E27FC236}">
+                <a16:creationId xmlns:a16="http://schemas.microsoft.com/office/drawing/2014/main" id="{4E4D1D30-3279-D37A-FBEF-3B9EB50F85E6}"/>
+              </a:ext>
+            </a:extLst>
+          </p:cNvPr>
+          <p:cNvSpPr txBox="1"/>
+          <p:nvPr/>
+        </p:nvSpPr>
+        <p:spPr>
+          <a:xfrm>
+            <a:off x="8529729" y="0"/>
+            <a:ext cx="628698" cy="461665"/>
+          </a:xfrm>
+          <a:prstGeom prst="rect">
+            <a:avLst/>
+          </a:prstGeom>
+          <a:noFill/>
+        </p:spPr>
+        <p:txBody>
+          <a:bodyPr wrap="none" rtlCol="0">
+            <a:spAutoFit/>
+          </a:bodyPr>
+          <a:lstStyle/>
+          <a:p>
+            <a:r>
+              <a:rPr lang="en-GB" sz="2400" b="1" dirty="0">
+                <a:solidFill>
+                  <a:schemeClr val="bg1"/>
+                </a:solidFill>
+              </a:rPr>
+              <a:t>8/8</a:t>
+            </a:r>
+          </a:p>
+        </p:txBody>
+      </p:sp>
+    </p:spTree>
+    <p:extLst>
+      <p:ext uri="{BB962C8B-B14F-4D97-AF65-F5344CB8AC3E}">
+        <p14:creationId xmlns:p14="http://schemas.microsoft.com/office/powerpoint/2010/main" val="3853029123"/>
       </p:ext>
     </p:extLst>
   </p:cSld>
